--- a/doc/create_keys_system.pptx
+++ b/doc/create_keys_system.pptx
@@ -7,9 +7,10 @@
   <p:sldIdLst>
     <p:sldId id="258" r:id="rId2"/>
     <p:sldId id="259" r:id="rId3"/>
-    <p:sldId id="260" r:id="rId4"/>
-    <p:sldId id="256" r:id="rId5"/>
-    <p:sldId id="257" r:id="rId6"/>
+    <p:sldId id="261" r:id="rId4"/>
+    <p:sldId id="260" r:id="rId5"/>
+    <p:sldId id="256" r:id="rId6"/>
+    <p:sldId id="257" r:id="rId7"/>
   </p:sldIdLst>
   <p:sldSz cx="12192000" cy="6858000"/>
   <p:notesSz cx="6858000" cy="9144000"/>
@@ -278,6 +279,46 @@
     </pc:docChg>
   </pc:docChgLst>
   <pc:docChgLst>
+    <pc:chgData name="Marcos Szeinuk" userId="0dc2a334bba03d87" providerId="LiveId" clId="{AB953854-0ECB-4E50-8FF8-665FCCEFD101}"/>
+    <pc:docChg chg="custSel addSld modSld">
+      <pc:chgData name="Marcos Szeinuk" userId="0dc2a334bba03d87" providerId="LiveId" clId="{AB953854-0ECB-4E50-8FF8-665FCCEFD101}" dt="2022-04-21T08:26:51.573" v="3" actId="1076"/>
+      <pc:docMkLst>
+        <pc:docMk/>
+      </pc:docMkLst>
+      <pc:sldChg chg="addSp delSp modSp new mod modClrScheme chgLayout">
+        <pc:chgData name="Marcos Szeinuk" userId="0dc2a334bba03d87" providerId="LiveId" clId="{AB953854-0ECB-4E50-8FF8-665FCCEFD101}" dt="2022-04-21T08:26:51.573" v="3" actId="1076"/>
+        <pc:sldMkLst>
+          <pc:docMk/>
+          <pc:sldMk cId="124297110" sldId="256"/>
+        </pc:sldMkLst>
+        <pc:spChg chg="del">
+          <ac:chgData name="Marcos Szeinuk" userId="0dc2a334bba03d87" providerId="LiveId" clId="{AB953854-0ECB-4E50-8FF8-665FCCEFD101}" dt="2022-04-21T08:26:49.649" v="1" actId="700"/>
+          <ac:spMkLst>
+            <pc:docMk/>
+            <pc:sldMk cId="124297110" sldId="256"/>
+            <ac:spMk id="2" creationId="{DFCC5F10-4AB6-4A8D-8FB3-03AC7F219BB7}"/>
+          </ac:spMkLst>
+        </pc:spChg>
+        <pc:spChg chg="del">
+          <ac:chgData name="Marcos Szeinuk" userId="0dc2a334bba03d87" providerId="LiveId" clId="{AB953854-0ECB-4E50-8FF8-665FCCEFD101}" dt="2022-04-21T08:26:49.649" v="1" actId="700"/>
+          <ac:spMkLst>
+            <pc:docMk/>
+            <pc:sldMk cId="124297110" sldId="256"/>
+            <ac:spMk id="3" creationId="{21314B99-9A36-4203-93FB-A5C7244C439F}"/>
+          </ac:spMkLst>
+        </pc:spChg>
+        <pc:picChg chg="add mod">
+          <ac:chgData name="Marcos Szeinuk" userId="0dc2a334bba03d87" providerId="LiveId" clId="{AB953854-0ECB-4E50-8FF8-665FCCEFD101}" dt="2022-04-21T08:26:51.573" v="3" actId="1076"/>
+          <ac:picMkLst>
+            <pc:docMk/>
+            <pc:sldMk cId="124297110" sldId="256"/>
+            <ac:picMk id="5" creationId="{8D2505DF-ACDD-496F-849E-179A04470849}"/>
+          </ac:picMkLst>
+        </pc:picChg>
+      </pc:sldChg>
+    </pc:docChg>
+  </pc:docChgLst>
+  <pc:docChgLst>
     <pc:chgData name="Marcos Szeinuk" userId="0dc2a334bba03d87" providerId="LiveId" clId="{318EA205-4007-4992-BEAF-87D8807F689F}"/>
     <pc:docChg chg="custSel addSld modSld sldOrd">
       <pc:chgData name="Marcos Szeinuk" userId="0dc2a334bba03d87" providerId="LiveId" clId="{318EA205-4007-4992-BEAF-87D8807F689F}" dt="2022-08-27T11:13:16.925" v="114" actId="1076"/>
@@ -402,46 +443,6 @@
       </pc:sldChg>
     </pc:docChg>
   </pc:docChgLst>
-  <pc:docChgLst>
-    <pc:chgData name="Marcos Szeinuk" userId="0dc2a334bba03d87" providerId="LiveId" clId="{AB953854-0ECB-4E50-8FF8-665FCCEFD101}"/>
-    <pc:docChg chg="custSel addSld modSld">
-      <pc:chgData name="Marcos Szeinuk" userId="0dc2a334bba03d87" providerId="LiveId" clId="{AB953854-0ECB-4E50-8FF8-665FCCEFD101}" dt="2022-04-21T08:26:51.573" v="3" actId="1076"/>
-      <pc:docMkLst>
-        <pc:docMk/>
-      </pc:docMkLst>
-      <pc:sldChg chg="addSp delSp modSp new mod modClrScheme chgLayout">
-        <pc:chgData name="Marcos Szeinuk" userId="0dc2a334bba03d87" providerId="LiveId" clId="{AB953854-0ECB-4E50-8FF8-665FCCEFD101}" dt="2022-04-21T08:26:51.573" v="3" actId="1076"/>
-        <pc:sldMkLst>
-          <pc:docMk/>
-          <pc:sldMk cId="124297110" sldId="256"/>
-        </pc:sldMkLst>
-        <pc:spChg chg="del">
-          <ac:chgData name="Marcos Szeinuk" userId="0dc2a334bba03d87" providerId="LiveId" clId="{AB953854-0ECB-4E50-8FF8-665FCCEFD101}" dt="2022-04-21T08:26:49.649" v="1" actId="700"/>
-          <ac:spMkLst>
-            <pc:docMk/>
-            <pc:sldMk cId="124297110" sldId="256"/>
-            <ac:spMk id="2" creationId="{DFCC5F10-4AB6-4A8D-8FB3-03AC7F219BB7}"/>
-          </ac:spMkLst>
-        </pc:spChg>
-        <pc:spChg chg="del">
-          <ac:chgData name="Marcos Szeinuk" userId="0dc2a334bba03d87" providerId="LiveId" clId="{AB953854-0ECB-4E50-8FF8-665FCCEFD101}" dt="2022-04-21T08:26:49.649" v="1" actId="700"/>
-          <ac:spMkLst>
-            <pc:docMk/>
-            <pc:sldMk cId="124297110" sldId="256"/>
-            <ac:spMk id="3" creationId="{21314B99-9A36-4203-93FB-A5C7244C439F}"/>
-          </ac:spMkLst>
-        </pc:spChg>
-        <pc:picChg chg="add mod">
-          <ac:chgData name="Marcos Szeinuk" userId="0dc2a334bba03d87" providerId="LiveId" clId="{AB953854-0ECB-4E50-8FF8-665FCCEFD101}" dt="2022-04-21T08:26:51.573" v="3" actId="1076"/>
-          <ac:picMkLst>
-            <pc:docMk/>
-            <pc:sldMk cId="124297110" sldId="256"/>
-            <ac:picMk id="5" creationId="{8D2505DF-ACDD-496F-849E-179A04470849}"/>
-          </ac:picMkLst>
-        </pc:picChg>
-      </pc:sldChg>
-    </pc:docChg>
-  </pc:docChgLst>
 </pc:chgInfo>
 </file>
 
@@ -592,7 +593,7 @@
           <a:p>
             <a:fld id="{21088943-3FBA-4BA1-825A-5E6E8F26C15E}" type="datetimeFigureOut">
               <a:rPr lang="en-US" smtClean="0"/>
-              <a:t>11/4/2022</a:t>
+              <a:t>9/2/2023</a:t>
             </a:fld>
             <a:endParaRPr lang="en-US"/>
           </a:p>
@@ -790,7 +791,7 @@
           <a:p>
             <a:fld id="{21088943-3FBA-4BA1-825A-5E6E8F26C15E}" type="datetimeFigureOut">
               <a:rPr lang="en-US" smtClean="0"/>
-              <a:t>11/4/2022</a:t>
+              <a:t>9/2/2023</a:t>
             </a:fld>
             <a:endParaRPr lang="en-US"/>
           </a:p>
@@ -998,7 +999,7 @@
           <a:p>
             <a:fld id="{21088943-3FBA-4BA1-825A-5E6E8F26C15E}" type="datetimeFigureOut">
               <a:rPr lang="en-US" smtClean="0"/>
-              <a:t>11/4/2022</a:t>
+              <a:t>9/2/2023</a:t>
             </a:fld>
             <a:endParaRPr lang="en-US"/>
           </a:p>
@@ -1196,7 +1197,7 @@
           <a:p>
             <a:fld id="{21088943-3FBA-4BA1-825A-5E6E8F26C15E}" type="datetimeFigureOut">
               <a:rPr lang="en-US" smtClean="0"/>
-              <a:t>11/4/2022</a:t>
+              <a:t>9/2/2023</a:t>
             </a:fld>
             <a:endParaRPr lang="en-US"/>
           </a:p>
@@ -1471,7 +1472,7 @@
           <a:p>
             <a:fld id="{21088943-3FBA-4BA1-825A-5E6E8F26C15E}" type="datetimeFigureOut">
               <a:rPr lang="en-US" smtClean="0"/>
-              <a:t>11/4/2022</a:t>
+              <a:t>9/2/2023</a:t>
             </a:fld>
             <a:endParaRPr lang="en-US"/>
           </a:p>
@@ -1736,7 +1737,7 @@
           <a:p>
             <a:fld id="{21088943-3FBA-4BA1-825A-5E6E8F26C15E}" type="datetimeFigureOut">
               <a:rPr lang="en-US" smtClean="0"/>
-              <a:t>11/4/2022</a:t>
+              <a:t>9/2/2023</a:t>
             </a:fld>
             <a:endParaRPr lang="en-US"/>
           </a:p>
@@ -2148,7 +2149,7 @@
           <a:p>
             <a:fld id="{21088943-3FBA-4BA1-825A-5E6E8F26C15E}" type="datetimeFigureOut">
               <a:rPr lang="en-US" smtClean="0"/>
-              <a:t>11/4/2022</a:t>
+              <a:t>9/2/2023</a:t>
             </a:fld>
             <a:endParaRPr lang="en-US"/>
           </a:p>
@@ -2289,7 +2290,7 @@
           <a:p>
             <a:fld id="{21088943-3FBA-4BA1-825A-5E6E8F26C15E}" type="datetimeFigureOut">
               <a:rPr lang="en-US" smtClean="0"/>
-              <a:t>11/4/2022</a:t>
+              <a:t>9/2/2023</a:t>
             </a:fld>
             <a:endParaRPr lang="en-US"/>
           </a:p>
@@ -2402,7 +2403,7 @@
           <a:p>
             <a:fld id="{21088943-3FBA-4BA1-825A-5E6E8F26C15E}" type="datetimeFigureOut">
               <a:rPr lang="en-US" smtClean="0"/>
-              <a:t>11/4/2022</a:t>
+              <a:t>9/2/2023</a:t>
             </a:fld>
             <a:endParaRPr lang="en-US"/>
           </a:p>
@@ -2713,7 +2714,7 @@
           <a:p>
             <a:fld id="{21088943-3FBA-4BA1-825A-5E6E8F26C15E}" type="datetimeFigureOut">
               <a:rPr lang="en-US" smtClean="0"/>
-              <a:t>11/4/2022</a:t>
+              <a:t>9/2/2023</a:t>
             </a:fld>
             <a:endParaRPr lang="en-US"/>
           </a:p>
@@ -3001,7 +3002,7 @@
           <a:p>
             <a:fld id="{21088943-3FBA-4BA1-825A-5E6E8F26C15E}" type="datetimeFigureOut">
               <a:rPr lang="en-US" smtClean="0"/>
-              <a:t>11/4/2022</a:t>
+              <a:t>9/2/2023</a:t>
             </a:fld>
             <a:endParaRPr lang="en-US"/>
           </a:p>
@@ -3242,7 +3243,7 @@
           <a:p>
             <a:fld id="{21088943-3FBA-4BA1-825A-5E6E8F26C15E}" type="datetimeFigureOut">
               <a:rPr lang="en-US" smtClean="0"/>
-              <a:t>11/4/2022</a:t>
+              <a:t>9/2/2023</a:t>
             </a:fld>
             <a:endParaRPr lang="en-US"/>
           </a:p>
@@ -3874,6 +3875,45 @@
           </a:prstGeom>
         </p:spPr>
       </p:pic>
+      <p:sp>
+        <p:nvSpPr>
+          <p:cNvPr id="2" name="TextBox 1">
+            <a:extLst>
+              <a:ext uri="{FF2B5EF4-FFF2-40B4-BE49-F238E27FC236}">
+                <a16:creationId xmlns:a16="http://schemas.microsoft.com/office/drawing/2014/main" id="{4E56F21B-5CB6-83AD-4CD0-BBB01EBC8622}"/>
+              </a:ext>
+            </a:extLst>
+          </p:cNvPr>
+          <p:cNvSpPr txBox="1"/>
+          <p:nvPr/>
+        </p:nvSpPr>
+        <p:spPr>
+          <a:xfrm>
+            <a:off x="4614874" y="3034477"/>
+            <a:ext cx="508473" cy="369332"/>
+          </a:xfrm>
+          <a:prstGeom prst="rect">
+            <a:avLst/>
+          </a:prstGeom>
+          <a:noFill/>
+        </p:spPr>
+        <p:txBody>
+          <a:bodyPr wrap="none" rtlCol="0">
+            <a:spAutoFit/>
+          </a:bodyPr>
+          <a:lstStyle/>
+          <a:p>
+            <a:r>
+              <a:rPr lang="en-US" dirty="0">
+                <a:highlight>
+                  <a:srgbClr val="FFFF00"/>
+                </a:highlight>
+              </a:rPr>
+              <a:t>run</a:t>
+            </a:r>
+          </a:p>
+        </p:txBody>
+      </p:sp>
     </p:spTree>
     <p:extLst>
       <p:ext uri="{BB962C8B-B14F-4D97-AF65-F5344CB8AC3E}">
@@ -3956,7 +3996,7 @@
         </p:blipFill>
         <p:spPr>
           <a:xfrm>
-            <a:off x="4290536" y="299601"/>
+            <a:off x="4290536" y="218851"/>
             <a:ext cx="3924848" cy="6258798"/>
           </a:xfrm>
           <a:prstGeom prst="rect">
@@ -4248,10 +4288,10 @@
       </p:grpSpPr>
       <p:pic>
         <p:nvPicPr>
-          <p:cNvPr id="3" name="Picture 2">
-            <a:extLst>
-              <a:ext uri="{FF2B5EF4-FFF2-40B4-BE49-F238E27FC236}">
-                <a16:creationId xmlns:a16="http://schemas.microsoft.com/office/drawing/2014/main" id="{8B19D4F8-B9E9-057F-5D34-B3BC31F57D7F}"/>
+          <p:cNvPr id="2" name="Picture 1">
+            <a:extLst>
+              <a:ext uri="{FF2B5EF4-FFF2-40B4-BE49-F238E27FC236}">
+                <a16:creationId xmlns:a16="http://schemas.microsoft.com/office/drawing/2014/main" id="{48855F71-7779-EE75-80F5-E860AD360932}"/>
               </a:ext>
             </a:extLst>
           </p:cNvPr>
@@ -4268,55 +4308,20 @@
         </p:blipFill>
         <p:spPr>
           <a:xfrm>
-            <a:off x="464686" y="969348"/>
-            <a:ext cx="2476846" cy="2410161"/>
+            <a:off x="3207551" y="0"/>
+            <a:ext cx="1810003" cy="3743847"/>
           </a:xfrm>
           <a:prstGeom prst="rect">
             <a:avLst/>
           </a:prstGeom>
         </p:spPr>
       </p:pic>
-      <p:sp>
-        <p:nvSpPr>
-          <p:cNvPr id="4" name="TextBox 3">
-            <a:extLst>
-              <a:ext uri="{FF2B5EF4-FFF2-40B4-BE49-F238E27FC236}">
-                <a16:creationId xmlns:a16="http://schemas.microsoft.com/office/drawing/2014/main" id="{86E435D3-E9BA-B708-04F2-5E5E5735EFE2}"/>
-              </a:ext>
-            </a:extLst>
-          </p:cNvPr>
-          <p:cNvSpPr txBox="1"/>
-          <p:nvPr/>
-        </p:nvSpPr>
-        <p:spPr>
-          <a:xfrm>
-            <a:off x="1703109" y="358219"/>
-            <a:ext cx="499560" cy="369332"/>
-          </a:xfrm>
-          <a:prstGeom prst="rect">
-            <a:avLst/>
-          </a:prstGeom>
-          <a:noFill/>
-        </p:spPr>
-        <p:txBody>
-          <a:bodyPr wrap="none" rtlCol="0">
-            <a:spAutoFit/>
-          </a:bodyPr>
-          <a:lstStyle/>
-          <a:p>
-            <a:r>
-              <a:rPr lang="en-US" dirty="0"/>
-              <a:t>key</a:t>
-            </a:r>
-          </a:p>
-        </p:txBody>
-      </p:sp>
       <p:pic>
         <p:nvPicPr>
-          <p:cNvPr id="6" name="Picture 5">
-            <a:extLst>
-              <a:ext uri="{FF2B5EF4-FFF2-40B4-BE49-F238E27FC236}">
-                <a16:creationId xmlns:a16="http://schemas.microsoft.com/office/drawing/2014/main" id="{B71A9256-C473-EE85-D955-8FE3C8387A6C}"/>
+          <p:cNvPr id="4" name="Picture 3">
+            <a:extLst>
+              <a:ext uri="{FF2B5EF4-FFF2-40B4-BE49-F238E27FC236}">
+                <a16:creationId xmlns:a16="http://schemas.microsoft.com/office/drawing/2014/main" id="{DFE6D4B1-4F40-335D-33A3-9B2DAA38BEE8}"/>
               </a:ext>
             </a:extLst>
           </p:cNvPr>
@@ -4333,18 +4338,745 @@
         </p:blipFill>
         <p:spPr>
           <a:xfrm>
-            <a:off x="3874887" y="2006511"/>
-            <a:ext cx="7126194" cy="2745996"/>
+            <a:off x="192424" y="828674"/>
+            <a:ext cx="2903201" cy="4972504"/>
           </a:xfrm>
           <a:prstGeom prst="rect">
             <a:avLst/>
           </a:prstGeom>
         </p:spPr>
       </p:pic>
+      <p:sp>
+        <p:nvSpPr>
+          <p:cNvPr id="5" name="TextBox 4">
+            <a:extLst>
+              <a:ext uri="{FF2B5EF4-FFF2-40B4-BE49-F238E27FC236}">
+                <a16:creationId xmlns:a16="http://schemas.microsoft.com/office/drawing/2014/main" id="{23BBAF3B-6260-89DC-CDF2-A38FDD2EF75B}"/>
+              </a:ext>
+            </a:extLst>
+          </p:cNvPr>
+          <p:cNvSpPr txBox="1"/>
+          <p:nvPr/>
+        </p:nvSpPr>
+        <p:spPr>
+          <a:xfrm>
+            <a:off x="122521" y="1504766"/>
+            <a:ext cx="301686" cy="369332"/>
+          </a:xfrm>
+          <a:prstGeom prst="rect">
+            <a:avLst/>
+          </a:prstGeom>
+          <a:noFill/>
+        </p:spPr>
+        <p:txBody>
+          <a:bodyPr wrap="none" rtlCol="0">
+            <a:spAutoFit/>
+          </a:bodyPr>
+          <a:lstStyle/>
+          <a:p>
+            <a:r>
+              <a:rPr lang="en-US" dirty="0">
+                <a:highlight>
+                  <a:srgbClr val="FFFF00"/>
+                </a:highlight>
+              </a:rPr>
+              <a:t>1</a:t>
+            </a:r>
+          </a:p>
+        </p:txBody>
+      </p:sp>
+      <p:sp>
+        <p:nvSpPr>
+          <p:cNvPr id="6" name="TextBox 5">
+            <a:extLst>
+              <a:ext uri="{FF2B5EF4-FFF2-40B4-BE49-F238E27FC236}">
+                <a16:creationId xmlns:a16="http://schemas.microsoft.com/office/drawing/2014/main" id="{F4A038E7-7E9F-1350-7A4B-352B0E08EC2D}"/>
+              </a:ext>
+            </a:extLst>
+          </p:cNvPr>
+          <p:cNvSpPr txBox="1"/>
+          <p:nvPr/>
+        </p:nvSpPr>
+        <p:spPr>
+          <a:xfrm>
+            <a:off x="273364" y="1135434"/>
+            <a:ext cx="301686" cy="369332"/>
+          </a:xfrm>
+          <a:prstGeom prst="rect">
+            <a:avLst/>
+          </a:prstGeom>
+          <a:noFill/>
+        </p:spPr>
+        <p:txBody>
+          <a:bodyPr wrap="none" rtlCol="0">
+            <a:spAutoFit/>
+          </a:bodyPr>
+          <a:lstStyle/>
+          <a:p>
+            <a:r>
+              <a:rPr lang="en-US" dirty="0">
+                <a:highlight>
+                  <a:srgbClr val="FFFF00"/>
+                </a:highlight>
+              </a:rPr>
+              <a:t>2</a:t>
+            </a:r>
+          </a:p>
+        </p:txBody>
+      </p:sp>
+      <p:sp>
+        <p:nvSpPr>
+          <p:cNvPr id="7" name="TextBox 6">
+            <a:extLst>
+              <a:ext uri="{FF2B5EF4-FFF2-40B4-BE49-F238E27FC236}">
+                <a16:creationId xmlns:a16="http://schemas.microsoft.com/office/drawing/2014/main" id="{0C444877-0957-E1D9-A117-1DFEC493EDEE}"/>
+              </a:ext>
+            </a:extLst>
+          </p:cNvPr>
+          <p:cNvSpPr txBox="1"/>
+          <p:nvPr/>
+        </p:nvSpPr>
+        <p:spPr>
+          <a:xfrm>
+            <a:off x="2454146" y="1874098"/>
+            <a:ext cx="301686" cy="369332"/>
+          </a:xfrm>
+          <a:prstGeom prst="rect">
+            <a:avLst/>
+          </a:prstGeom>
+          <a:noFill/>
+        </p:spPr>
+        <p:txBody>
+          <a:bodyPr wrap="none" rtlCol="0">
+            <a:spAutoFit/>
+          </a:bodyPr>
+          <a:lstStyle/>
+          <a:p>
+            <a:r>
+              <a:rPr lang="en-US" dirty="0">
+                <a:highlight>
+                  <a:srgbClr val="FFFF00"/>
+                </a:highlight>
+              </a:rPr>
+              <a:t>3</a:t>
+            </a:r>
+          </a:p>
+        </p:txBody>
+      </p:sp>
+      <p:cxnSp>
+        <p:nvCxnSpPr>
+          <p:cNvPr id="9" name="Straight Arrow Connector 8">
+            <a:extLst>
+              <a:ext uri="{FF2B5EF4-FFF2-40B4-BE49-F238E27FC236}">
+                <a16:creationId xmlns:a16="http://schemas.microsoft.com/office/drawing/2014/main" id="{22CF8AA3-0EE5-9793-CA2C-9176DAEB4618}"/>
+              </a:ext>
+            </a:extLst>
+          </p:cNvPr>
+          <p:cNvCxnSpPr>
+            <a:cxnSpLocks/>
+          </p:cNvCxnSpPr>
+          <p:nvPr/>
+        </p:nvCxnSpPr>
+        <p:spPr>
+          <a:xfrm flipV="1">
+            <a:off x="2755832" y="1781666"/>
+            <a:ext cx="977182" cy="277098"/>
+          </a:xfrm>
+          <a:prstGeom prst="straightConnector1">
+            <a:avLst/>
+          </a:prstGeom>
+          <a:ln>
+            <a:tailEnd type="triangle"/>
+          </a:ln>
+        </p:spPr>
+        <p:style>
+          <a:lnRef idx="1">
+            <a:schemeClr val="accent2"/>
+          </a:lnRef>
+          <a:fillRef idx="0">
+            <a:schemeClr val="accent2"/>
+          </a:fillRef>
+          <a:effectRef idx="0">
+            <a:schemeClr val="accent2"/>
+          </a:effectRef>
+          <a:fontRef idx="minor">
+            <a:schemeClr val="tx1"/>
+          </a:fontRef>
+        </p:style>
+      </p:cxnSp>
+      <p:sp>
+        <p:nvSpPr>
+          <p:cNvPr id="12" name="TextBox 11">
+            <a:extLst>
+              <a:ext uri="{FF2B5EF4-FFF2-40B4-BE49-F238E27FC236}">
+                <a16:creationId xmlns:a16="http://schemas.microsoft.com/office/drawing/2014/main" id="{82E3D512-3A93-63E9-1FD7-5DC5C6E17500}"/>
+              </a:ext>
+            </a:extLst>
+          </p:cNvPr>
+          <p:cNvSpPr txBox="1"/>
+          <p:nvPr/>
+        </p:nvSpPr>
+        <p:spPr>
+          <a:xfrm>
+            <a:off x="2454146" y="2243430"/>
+            <a:ext cx="301686" cy="369332"/>
+          </a:xfrm>
+          <a:prstGeom prst="rect">
+            <a:avLst/>
+          </a:prstGeom>
+          <a:noFill/>
+        </p:spPr>
+        <p:txBody>
+          <a:bodyPr wrap="none" rtlCol="0">
+            <a:spAutoFit/>
+          </a:bodyPr>
+          <a:lstStyle/>
+          <a:p>
+            <a:r>
+              <a:rPr lang="en-US" dirty="0">
+                <a:highlight>
+                  <a:srgbClr val="FFFF00"/>
+                </a:highlight>
+              </a:rPr>
+              <a:t>4</a:t>
+            </a:r>
+          </a:p>
+        </p:txBody>
+      </p:sp>
+      <p:pic>
+        <p:nvPicPr>
+          <p:cNvPr id="14" name="Picture 13">
+            <a:extLst>
+              <a:ext uri="{FF2B5EF4-FFF2-40B4-BE49-F238E27FC236}">
+                <a16:creationId xmlns:a16="http://schemas.microsoft.com/office/drawing/2014/main" id="{786FC8D2-CC27-FFB1-AC59-47B7F067BE70}"/>
+              </a:ext>
+            </a:extLst>
+          </p:cNvPr>
+          <p:cNvPicPr>
+            <a:picLocks noChangeAspect="1"/>
+          </p:cNvPicPr>
+          <p:nvPr/>
+        </p:nvPicPr>
+        <p:blipFill>
+          <a:blip r:embed="rId4"/>
+          <a:stretch>
+            <a:fillRect/>
+          </a:stretch>
+        </p:blipFill>
+        <p:spPr>
+          <a:xfrm>
+            <a:off x="3207551" y="2612762"/>
+            <a:ext cx="8133694" cy="4363388"/>
+          </a:xfrm>
+          <a:prstGeom prst="rect">
+            <a:avLst/>
+          </a:prstGeom>
+        </p:spPr>
+      </p:pic>
+      <p:cxnSp>
+        <p:nvCxnSpPr>
+          <p:cNvPr id="15" name="Straight Arrow Connector 14">
+            <a:extLst>
+              <a:ext uri="{FF2B5EF4-FFF2-40B4-BE49-F238E27FC236}">
+                <a16:creationId xmlns:a16="http://schemas.microsoft.com/office/drawing/2014/main" id="{ACCAB2B6-BB10-94B3-FF3B-E8F938DB7C6C}"/>
+              </a:ext>
+            </a:extLst>
+          </p:cNvPr>
+          <p:cNvCxnSpPr>
+            <a:cxnSpLocks/>
+          </p:cNvCxnSpPr>
+          <p:nvPr/>
+        </p:nvCxnSpPr>
+        <p:spPr>
+          <a:xfrm>
+            <a:off x="2607034" y="2462032"/>
+            <a:ext cx="1505518" cy="1340311"/>
+          </a:xfrm>
+          <a:prstGeom prst="straightConnector1">
+            <a:avLst/>
+          </a:prstGeom>
+          <a:ln>
+            <a:tailEnd type="triangle"/>
+          </a:ln>
+        </p:spPr>
+        <p:style>
+          <a:lnRef idx="1">
+            <a:schemeClr val="accent2"/>
+          </a:lnRef>
+          <a:fillRef idx="0">
+            <a:schemeClr val="accent2"/>
+          </a:fillRef>
+          <a:effectRef idx="0">
+            <a:schemeClr val="accent2"/>
+          </a:effectRef>
+          <a:fontRef idx="minor">
+            <a:schemeClr val="tx1"/>
+          </a:fontRef>
+        </p:style>
+      </p:cxnSp>
+      <p:cxnSp>
+        <p:nvCxnSpPr>
+          <p:cNvPr id="18" name="Straight Arrow Connector 17">
+            <a:extLst>
+              <a:ext uri="{FF2B5EF4-FFF2-40B4-BE49-F238E27FC236}">
+                <a16:creationId xmlns:a16="http://schemas.microsoft.com/office/drawing/2014/main" id="{A2221241-8581-B0F7-7962-FBF81D03F3D4}"/>
+              </a:ext>
+            </a:extLst>
+          </p:cNvPr>
+          <p:cNvCxnSpPr/>
+          <p:nvPr/>
+        </p:nvCxnSpPr>
+        <p:spPr>
+          <a:xfrm flipH="1" flipV="1">
+            <a:off x="4515439" y="3102940"/>
+            <a:ext cx="502115" cy="565542"/>
+          </a:xfrm>
+          <a:prstGeom prst="straightConnector1">
+            <a:avLst/>
+          </a:prstGeom>
+          <a:ln>
+            <a:tailEnd type="triangle"/>
+          </a:ln>
+        </p:spPr>
+        <p:style>
+          <a:lnRef idx="1">
+            <a:schemeClr val="dk1"/>
+          </a:lnRef>
+          <a:fillRef idx="0">
+            <a:schemeClr val="dk1"/>
+          </a:fillRef>
+          <a:effectRef idx="0">
+            <a:schemeClr val="dk1"/>
+          </a:effectRef>
+          <a:fontRef idx="minor">
+            <a:schemeClr val="tx1"/>
+          </a:fontRef>
+        </p:style>
+      </p:cxnSp>
+      <p:cxnSp>
+        <p:nvCxnSpPr>
+          <p:cNvPr id="19" name="Straight Arrow Connector 18">
+            <a:extLst>
+              <a:ext uri="{FF2B5EF4-FFF2-40B4-BE49-F238E27FC236}">
+                <a16:creationId xmlns:a16="http://schemas.microsoft.com/office/drawing/2014/main" id="{D947B1DE-471C-246F-A2CB-B9CCA9CF898F}"/>
+              </a:ext>
+            </a:extLst>
+          </p:cNvPr>
+          <p:cNvCxnSpPr/>
+          <p:nvPr/>
+        </p:nvCxnSpPr>
+        <p:spPr>
+          <a:xfrm flipH="1" flipV="1">
+            <a:off x="10096107" y="4794456"/>
+            <a:ext cx="502115" cy="565542"/>
+          </a:xfrm>
+          <a:prstGeom prst="straightConnector1">
+            <a:avLst/>
+          </a:prstGeom>
+          <a:ln>
+            <a:tailEnd type="triangle"/>
+          </a:ln>
+        </p:spPr>
+        <p:style>
+          <a:lnRef idx="1">
+            <a:schemeClr val="dk1"/>
+          </a:lnRef>
+          <a:fillRef idx="0">
+            <a:schemeClr val="dk1"/>
+          </a:fillRef>
+          <a:effectRef idx="0">
+            <a:schemeClr val="dk1"/>
+          </a:effectRef>
+          <a:fontRef idx="minor">
+            <a:schemeClr val="tx1"/>
+          </a:fontRef>
+        </p:style>
+      </p:cxnSp>
+      <p:sp>
+        <p:nvSpPr>
+          <p:cNvPr id="20" name="TextBox 19">
+            <a:extLst>
+              <a:ext uri="{FF2B5EF4-FFF2-40B4-BE49-F238E27FC236}">
+                <a16:creationId xmlns:a16="http://schemas.microsoft.com/office/drawing/2014/main" id="{187A7FEA-5A3D-1F1F-5B7A-D612CA39564D}"/>
+              </a:ext>
+            </a:extLst>
+          </p:cNvPr>
+          <p:cNvSpPr txBox="1"/>
+          <p:nvPr/>
+        </p:nvSpPr>
+        <p:spPr>
+          <a:xfrm>
+            <a:off x="9728462" y="5077227"/>
+            <a:ext cx="1517275" cy="369332"/>
+          </a:xfrm>
+          <a:prstGeom prst="rect">
+            <a:avLst/>
+          </a:prstGeom>
+          <a:noFill/>
+        </p:spPr>
+        <p:txBody>
+          <a:bodyPr wrap="none" rtlCol="0">
+            <a:spAutoFit/>
+          </a:bodyPr>
+          <a:lstStyle/>
+          <a:p>
+            <a:r>
+              <a:rPr lang="en-US" dirty="0"/>
+              <a:t>Edit somehow</a:t>
+            </a:r>
+          </a:p>
+        </p:txBody>
+      </p:sp>
+      <p:cxnSp>
+        <p:nvCxnSpPr>
+          <p:cNvPr id="22" name="Straight Arrow Connector 21">
+            <a:extLst>
+              <a:ext uri="{FF2B5EF4-FFF2-40B4-BE49-F238E27FC236}">
+                <a16:creationId xmlns:a16="http://schemas.microsoft.com/office/drawing/2014/main" id="{582192F0-A757-2BBA-1B41-72EA7CA43D53}"/>
+              </a:ext>
+            </a:extLst>
+          </p:cNvPr>
+          <p:cNvCxnSpPr/>
+          <p:nvPr/>
+        </p:nvCxnSpPr>
+        <p:spPr>
+          <a:xfrm flipH="1">
+            <a:off x="5017554" y="150829"/>
+            <a:ext cx="459419" cy="0"/>
+          </a:xfrm>
+          <a:prstGeom prst="straightConnector1">
+            <a:avLst/>
+          </a:prstGeom>
+          <a:ln>
+            <a:tailEnd type="triangle"/>
+          </a:ln>
+        </p:spPr>
+        <p:style>
+          <a:lnRef idx="1">
+            <a:schemeClr val="accent4"/>
+          </a:lnRef>
+          <a:fillRef idx="0">
+            <a:schemeClr val="accent4"/>
+          </a:fillRef>
+          <a:effectRef idx="0">
+            <a:schemeClr val="accent4"/>
+          </a:effectRef>
+          <a:fontRef idx="minor">
+            <a:schemeClr val="tx1"/>
+          </a:fontRef>
+        </p:style>
+      </p:cxnSp>
+      <p:cxnSp>
+        <p:nvCxnSpPr>
+          <p:cNvPr id="23" name="Straight Arrow Connector 22">
+            <a:extLst>
+              <a:ext uri="{FF2B5EF4-FFF2-40B4-BE49-F238E27FC236}">
+                <a16:creationId xmlns:a16="http://schemas.microsoft.com/office/drawing/2014/main" id="{039D4361-A9B8-F7A8-1807-C91E9522225C}"/>
+              </a:ext>
+            </a:extLst>
+          </p:cNvPr>
+          <p:cNvCxnSpPr>
+            <a:cxnSpLocks/>
+          </p:cNvCxnSpPr>
+          <p:nvPr/>
+        </p:nvCxnSpPr>
+        <p:spPr>
+          <a:xfrm flipH="1" flipV="1">
+            <a:off x="4627365" y="3027575"/>
+            <a:ext cx="905002" cy="565542"/>
+          </a:xfrm>
+          <a:prstGeom prst="straightConnector1">
+            <a:avLst/>
+          </a:prstGeom>
+          <a:ln>
+            <a:tailEnd type="triangle"/>
+          </a:ln>
+        </p:spPr>
+        <p:style>
+          <a:lnRef idx="1">
+            <a:schemeClr val="dk1"/>
+          </a:lnRef>
+          <a:fillRef idx="0">
+            <a:schemeClr val="dk1"/>
+          </a:fillRef>
+          <a:effectRef idx="0">
+            <a:schemeClr val="dk1"/>
+          </a:effectRef>
+          <a:fontRef idx="minor">
+            <a:schemeClr val="tx1"/>
+          </a:fontRef>
+        </p:style>
+      </p:cxnSp>
+      <p:sp>
+        <p:nvSpPr>
+          <p:cNvPr id="25" name="TextBox 24">
+            <a:extLst>
+              <a:ext uri="{FF2B5EF4-FFF2-40B4-BE49-F238E27FC236}">
+                <a16:creationId xmlns:a16="http://schemas.microsoft.com/office/drawing/2014/main" id="{366201CC-3883-A0FF-7FE7-FA0B4543C1BD}"/>
+              </a:ext>
+            </a:extLst>
+          </p:cNvPr>
+          <p:cNvSpPr txBox="1"/>
+          <p:nvPr/>
+        </p:nvSpPr>
+        <p:spPr>
+          <a:xfrm>
+            <a:off x="5522446" y="3374515"/>
+            <a:ext cx="598562" cy="369332"/>
+          </a:xfrm>
+          <a:prstGeom prst="rect">
+            <a:avLst/>
+          </a:prstGeom>
+          <a:noFill/>
+        </p:spPr>
+        <p:txBody>
+          <a:bodyPr wrap="none" rtlCol="0">
+            <a:spAutoFit/>
+          </a:bodyPr>
+          <a:lstStyle/>
+          <a:p>
+            <a:r>
+              <a:rPr lang="en-US" dirty="0">
+                <a:highlight>
+                  <a:srgbClr val="FFFF00"/>
+                </a:highlight>
+              </a:rPr>
+              <a:t>save</a:t>
+            </a:r>
+          </a:p>
+        </p:txBody>
+      </p:sp>
+      <p:sp>
+        <p:nvSpPr>
+          <p:cNvPr id="26" name="TextBox 25">
+            <a:extLst>
+              <a:ext uri="{FF2B5EF4-FFF2-40B4-BE49-F238E27FC236}">
+                <a16:creationId xmlns:a16="http://schemas.microsoft.com/office/drawing/2014/main" id="{EC02D78A-ACDC-F6E7-4FE3-D87F8B5661C3}"/>
+              </a:ext>
+            </a:extLst>
+          </p:cNvPr>
+          <p:cNvSpPr txBox="1"/>
+          <p:nvPr/>
+        </p:nvSpPr>
+        <p:spPr>
+          <a:xfrm>
+            <a:off x="4634524" y="3588429"/>
+            <a:ext cx="551754" cy="369332"/>
+          </a:xfrm>
+          <a:prstGeom prst="rect">
+            <a:avLst/>
+          </a:prstGeom>
+          <a:noFill/>
+        </p:spPr>
+        <p:txBody>
+          <a:bodyPr wrap="none" rtlCol="0">
+            <a:spAutoFit/>
+          </a:bodyPr>
+          <a:lstStyle/>
+          <a:p>
+            <a:r>
+              <a:rPr lang="en-US" dirty="0">
+                <a:highlight>
+                  <a:srgbClr val="FFFF00"/>
+                </a:highlight>
+              </a:rPr>
+              <a:t>edit</a:t>
+            </a:r>
+          </a:p>
+        </p:txBody>
+      </p:sp>
+      <p:sp>
+        <p:nvSpPr>
+          <p:cNvPr id="27" name="TextBox 26">
+            <a:extLst>
+              <a:ext uri="{FF2B5EF4-FFF2-40B4-BE49-F238E27FC236}">
+                <a16:creationId xmlns:a16="http://schemas.microsoft.com/office/drawing/2014/main" id="{70E5720C-863F-A899-319B-8DB7E759DC00}"/>
+              </a:ext>
+            </a:extLst>
+          </p:cNvPr>
+          <p:cNvSpPr txBox="1"/>
+          <p:nvPr/>
+        </p:nvSpPr>
+        <p:spPr>
+          <a:xfrm>
+            <a:off x="2454146" y="2561664"/>
+            <a:ext cx="301686" cy="369332"/>
+          </a:xfrm>
+          <a:prstGeom prst="rect">
+            <a:avLst/>
+          </a:prstGeom>
+          <a:noFill/>
+        </p:spPr>
+        <p:txBody>
+          <a:bodyPr wrap="none" rtlCol="0">
+            <a:spAutoFit/>
+          </a:bodyPr>
+          <a:lstStyle/>
+          <a:p>
+            <a:r>
+              <a:rPr lang="en-US" dirty="0">
+                <a:highlight>
+                  <a:srgbClr val="FFFF00"/>
+                </a:highlight>
+              </a:rPr>
+              <a:t>5</a:t>
+            </a:r>
+          </a:p>
+        </p:txBody>
+      </p:sp>
+      <p:sp>
+        <p:nvSpPr>
+          <p:cNvPr id="28" name="TextBox 27">
+            <a:extLst>
+              <a:ext uri="{FF2B5EF4-FFF2-40B4-BE49-F238E27FC236}">
+                <a16:creationId xmlns:a16="http://schemas.microsoft.com/office/drawing/2014/main" id="{0E6F754F-FB8F-C597-FEB9-0188621269F3}"/>
+              </a:ext>
+            </a:extLst>
+          </p:cNvPr>
+          <p:cNvSpPr txBox="1"/>
+          <p:nvPr/>
+        </p:nvSpPr>
+        <p:spPr>
+          <a:xfrm>
+            <a:off x="2468067" y="2897166"/>
+            <a:ext cx="301686" cy="369332"/>
+          </a:xfrm>
+          <a:prstGeom prst="rect">
+            <a:avLst/>
+          </a:prstGeom>
+          <a:noFill/>
+        </p:spPr>
+        <p:txBody>
+          <a:bodyPr wrap="none" rtlCol="0">
+            <a:spAutoFit/>
+          </a:bodyPr>
+          <a:lstStyle/>
+          <a:p>
+            <a:r>
+              <a:rPr lang="en-US" dirty="0">
+                <a:highlight>
+                  <a:srgbClr val="FFFF00"/>
+                </a:highlight>
+              </a:rPr>
+              <a:t>6</a:t>
+            </a:r>
+          </a:p>
+        </p:txBody>
+      </p:sp>
+      <p:sp>
+        <p:nvSpPr>
+          <p:cNvPr id="29" name="TextBox 28">
+            <a:extLst>
+              <a:ext uri="{FF2B5EF4-FFF2-40B4-BE49-F238E27FC236}">
+                <a16:creationId xmlns:a16="http://schemas.microsoft.com/office/drawing/2014/main" id="{325998E0-0910-813F-E27E-F692A7075270}"/>
+              </a:ext>
+            </a:extLst>
+          </p:cNvPr>
+          <p:cNvSpPr txBox="1"/>
+          <p:nvPr/>
+        </p:nvSpPr>
+        <p:spPr>
+          <a:xfrm>
+            <a:off x="424207" y="5175332"/>
+            <a:ext cx="301686" cy="369332"/>
+          </a:xfrm>
+          <a:prstGeom prst="rect">
+            <a:avLst/>
+          </a:prstGeom>
+          <a:noFill/>
+        </p:spPr>
+        <p:txBody>
+          <a:bodyPr wrap="none" rtlCol="0">
+            <a:spAutoFit/>
+          </a:bodyPr>
+          <a:lstStyle/>
+          <a:p>
+            <a:r>
+              <a:rPr lang="en-US" dirty="0">
+                <a:highlight>
+                  <a:srgbClr val="FFFF00"/>
+                </a:highlight>
+              </a:rPr>
+              <a:t>7</a:t>
+            </a:r>
+          </a:p>
+        </p:txBody>
+      </p:sp>
+      <p:pic>
+        <p:nvPicPr>
+          <p:cNvPr id="31" name="Picture 30">
+            <a:extLst>
+              <a:ext uri="{FF2B5EF4-FFF2-40B4-BE49-F238E27FC236}">
+                <a16:creationId xmlns:a16="http://schemas.microsoft.com/office/drawing/2014/main" id="{4CA70044-EA04-BD9A-8443-FED0AB700DE3}"/>
+              </a:ext>
+            </a:extLst>
+          </p:cNvPr>
+          <p:cNvPicPr>
+            <a:picLocks noChangeAspect="1"/>
+          </p:cNvPicPr>
+          <p:nvPr/>
+        </p:nvPicPr>
+        <p:blipFill>
+          <a:blip r:embed="rId5"/>
+          <a:stretch>
+            <a:fillRect/>
+          </a:stretch>
+        </p:blipFill>
+        <p:spPr>
+          <a:xfrm>
+            <a:off x="3207551" y="4616528"/>
+            <a:ext cx="2829919" cy="2090643"/>
+          </a:xfrm>
+          <a:prstGeom prst="rect">
+            <a:avLst/>
+          </a:prstGeom>
+        </p:spPr>
+      </p:pic>
+      <p:cxnSp>
+        <p:nvCxnSpPr>
+          <p:cNvPr id="32" name="Straight Arrow Connector 31">
+            <a:extLst>
+              <a:ext uri="{FF2B5EF4-FFF2-40B4-BE49-F238E27FC236}">
+                <a16:creationId xmlns:a16="http://schemas.microsoft.com/office/drawing/2014/main" id="{86A9F2EB-AC77-8EA3-DCF4-446E6AC4B66F}"/>
+              </a:ext>
+            </a:extLst>
+          </p:cNvPr>
+          <p:cNvCxnSpPr>
+            <a:cxnSpLocks/>
+          </p:cNvCxnSpPr>
+          <p:nvPr/>
+        </p:nvCxnSpPr>
+        <p:spPr>
+          <a:xfrm>
+            <a:off x="2684886" y="3160178"/>
+            <a:ext cx="932314" cy="2138596"/>
+          </a:xfrm>
+          <a:prstGeom prst="straightConnector1">
+            <a:avLst/>
+          </a:prstGeom>
+          <a:ln>
+            <a:tailEnd type="triangle"/>
+          </a:ln>
+        </p:spPr>
+        <p:style>
+          <a:lnRef idx="1">
+            <a:schemeClr val="accent2"/>
+          </a:lnRef>
+          <a:fillRef idx="0">
+            <a:schemeClr val="accent2"/>
+          </a:fillRef>
+          <a:effectRef idx="0">
+            <a:schemeClr val="accent2"/>
+          </a:effectRef>
+          <a:fontRef idx="minor">
+            <a:schemeClr val="tx1"/>
+          </a:fontRef>
+        </p:style>
+      </p:cxnSp>
     </p:spTree>
     <p:extLst>
       <p:ext uri="{BB962C8B-B14F-4D97-AF65-F5344CB8AC3E}">
-        <p14:creationId xmlns:p14="http://schemas.microsoft.com/office/powerpoint/2010/main" val="2938905387"/>
+        <p14:creationId xmlns:p14="http://schemas.microsoft.com/office/powerpoint/2010/main" val="694791411"/>
       </p:ext>
     </p:extLst>
   </p:cSld>
@@ -4373,6 +5105,161 @@
       </p:grpSpPr>
       <p:pic>
         <p:nvPicPr>
+          <p:cNvPr id="3" name="Picture 2">
+            <a:extLst>
+              <a:ext uri="{FF2B5EF4-FFF2-40B4-BE49-F238E27FC236}">
+                <a16:creationId xmlns:a16="http://schemas.microsoft.com/office/drawing/2014/main" id="{8B19D4F8-B9E9-057F-5D34-B3BC31F57D7F}"/>
+              </a:ext>
+            </a:extLst>
+          </p:cNvPr>
+          <p:cNvPicPr>
+            <a:picLocks noChangeAspect="1"/>
+          </p:cNvPicPr>
+          <p:nvPr/>
+        </p:nvPicPr>
+        <p:blipFill>
+          <a:blip r:embed="rId2"/>
+          <a:stretch>
+            <a:fillRect/>
+          </a:stretch>
+        </p:blipFill>
+        <p:spPr>
+          <a:xfrm>
+            <a:off x="421245" y="542885"/>
+            <a:ext cx="2476846" cy="2410161"/>
+          </a:xfrm>
+          <a:prstGeom prst="rect">
+            <a:avLst/>
+          </a:prstGeom>
+        </p:spPr>
+      </p:pic>
+      <p:sp>
+        <p:nvSpPr>
+          <p:cNvPr id="4" name="TextBox 3">
+            <a:extLst>
+              <a:ext uri="{FF2B5EF4-FFF2-40B4-BE49-F238E27FC236}">
+                <a16:creationId xmlns:a16="http://schemas.microsoft.com/office/drawing/2014/main" id="{86E435D3-E9BA-B708-04F2-5E5E5735EFE2}"/>
+              </a:ext>
+            </a:extLst>
+          </p:cNvPr>
+          <p:cNvSpPr txBox="1"/>
+          <p:nvPr/>
+        </p:nvSpPr>
+        <p:spPr>
+          <a:xfrm>
+            <a:off x="1541184" y="173553"/>
+            <a:ext cx="499560" cy="369332"/>
+          </a:xfrm>
+          <a:prstGeom prst="rect">
+            <a:avLst/>
+          </a:prstGeom>
+          <a:noFill/>
+        </p:spPr>
+        <p:txBody>
+          <a:bodyPr wrap="none" rtlCol="0">
+            <a:spAutoFit/>
+          </a:bodyPr>
+          <a:lstStyle/>
+          <a:p>
+            <a:r>
+              <a:rPr lang="en-US" dirty="0"/>
+              <a:t>key</a:t>
+            </a:r>
+          </a:p>
+        </p:txBody>
+      </p:sp>
+      <p:pic>
+        <p:nvPicPr>
+          <p:cNvPr id="6" name="Picture 5">
+            <a:extLst>
+              <a:ext uri="{FF2B5EF4-FFF2-40B4-BE49-F238E27FC236}">
+                <a16:creationId xmlns:a16="http://schemas.microsoft.com/office/drawing/2014/main" id="{B71A9256-C473-EE85-D955-8FE3C8387A6C}"/>
+              </a:ext>
+            </a:extLst>
+          </p:cNvPr>
+          <p:cNvPicPr>
+            <a:picLocks noChangeAspect="1"/>
+          </p:cNvPicPr>
+          <p:nvPr/>
+        </p:nvPicPr>
+        <p:blipFill>
+          <a:blip r:embed="rId3"/>
+          <a:stretch>
+            <a:fillRect/>
+          </a:stretch>
+        </p:blipFill>
+        <p:spPr>
+          <a:xfrm>
+            <a:off x="4865487" y="1377861"/>
+            <a:ext cx="7126194" cy="2745996"/>
+          </a:xfrm>
+          <a:prstGeom prst="rect">
+            <a:avLst/>
+          </a:prstGeom>
+        </p:spPr>
+      </p:pic>
+      <p:pic>
+        <p:nvPicPr>
+          <p:cNvPr id="5" name="Picture 4">
+            <a:extLst>
+              <a:ext uri="{FF2B5EF4-FFF2-40B4-BE49-F238E27FC236}">
+                <a16:creationId xmlns:a16="http://schemas.microsoft.com/office/drawing/2014/main" id="{F6662B27-3370-915E-C1AF-E1135C8F20DD}"/>
+              </a:ext>
+            </a:extLst>
+          </p:cNvPr>
+          <p:cNvPicPr>
+            <a:picLocks noChangeAspect="1"/>
+          </p:cNvPicPr>
+          <p:nvPr/>
+        </p:nvPicPr>
+        <p:blipFill>
+          <a:blip r:embed="rId4"/>
+          <a:stretch>
+            <a:fillRect/>
+          </a:stretch>
+        </p:blipFill>
+        <p:spPr>
+          <a:xfrm>
+            <a:off x="421245" y="3621306"/>
+            <a:ext cx="1781424" cy="3057952"/>
+          </a:xfrm>
+          <a:prstGeom prst="rect">
+            <a:avLst/>
+          </a:prstGeom>
+        </p:spPr>
+      </p:pic>
+    </p:spTree>
+    <p:extLst>
+      <p:ext uri="{BB962C8B-B14F-4D97-AF65-F5344CB8AC3E}">
+        <p14:creationId xmlns:p14="http://schemas.microsoft.com/office/powerpoint/2010/main" val="2938905387"/>
+      </p:ext>
+    </p:extLst>
+  </p:cSld>
+  <p:clrMapOvr>
+    <a:masterClrMapping/>
+  </p:clrMapOvr>
+</p:sld>
+</file>
+
+<file path=ppt/slides/slide5.xml><?xml version="1.0" encoding="utf-8"?>
+<p:sld xmlns:a="http://schemas.openxmlformats.org/drawingml/2006/main" xmlns:r="http://schemas.openxmlformats.org/officeDocument/2006/relationships" xmlns:p="http://schemas.openxmlformats.org/presentationml/2006/main">
+  <p:cSld>
+    <p:spTree>
+      <p:nvGrpSpPr>
+        <p:cNvPr id="1" name=""/>
+        <p:cNvGrpSpPr/>
+        <p:nvPr/>
+      </p:nvGrpSpPr>
+      <p:grpSpPr>
+        <a:xfrm>
+          <a:off x="0" y="0"/>
+          <a:ext cx="0" cy="0"/>
+          <a:chOff x="0" y="0"/>
+          <a:chExt cx="0" cy="0"/>
+        </a:xfrm>
+      </p:grpSpPr>
+      <p:pic>
+        <p:nvPicPr>
           <p:cNvPr id="5" name="Picture 4">
             <a:extLst>
               <a:ext uri="{FF2B5EF4-FFF2-40B4-BE49-F238E27FC236}">
@@ -4414,7 +5301,7 @@
 </p:sld>
 </file>
 
-<file path=ppt/slides/slide5.xml><?xml version="1.0" encoding="utf-8"?>
+<file path=ppt/slides/slide6.xml><?xml version="1.0" encoding="utf-8"?>
 <p:sld xmlns:a="http://schemas.openxmlformats.org/drawingml/2006/main" xmlns:r="http://schemas.openxmlformats.org/officeDocument/2006/relationships" xmlns:p="http://schemas.openxmlformats.org/presentationml/2006/main">
   <p:cSld>
     <p:spTree>

--- a/doc/create_keys_system.pptx
+++ b/doc/create_keys_system.pptx
@@ -593,7 +593,7 @@
           <a:p>
             <a:fld id="{21088943-3FBA-4BA1-825A-5E6E8F26C15E}" type="datetimeFigureOut">
               <a:rPr lang="en-US" smtClean="0"/>
-              <a:t>9/2/2023</a:t>
+              <a:t>9/22/2023</a:t>
             </a:fld>
             <a:endParaRPr lang="en-US"/>
           </a:p>
@@ -791,7 +791,7 @@
           <a:p>
             <a:fld id="{21088943-3FBA-4BA1-825A-5E6E8F26C15E}" type="datetimeFigureOut">
               <a:rPr lang="en-US" smtClean="0"/>
-              <a:t>9/2/2023</a:t>
+              <a:t>9/22/2023</a:t>
             </a:fld>
             <a:endParaRPr lang="en-US"/>
           </a:p>
@@ -999,7 +999,7 @@
           <a:p>
             <a:fld id="{21088943-3FBA-4BA1-825A-5E6E8F26C15E}" type="datetimeFigureOut">
               <a:rPr lang="en-US" smtClean="0"/>
-              <a:t>9/2/2023</a:t>
+              <a:t>9/22/2023</a:t>
             </a:fld>
             <a:endParaRPr lang="en-US"/>
           </a:p>
@@ -1197,7 +1197,7 @@
           <a:p>
             <a:fld id="{21088943-3FBA-4BA1-825A-5E6E8F26C15E}" type="datetimeFigureOut">
               <a:rPr lang="en-US" smtClean="0"/>
-              <a:t>9/2/2023</a:t>
+              <a:t>9/22/2023</a:t>
             </a:fld>
             <a:endParaRPr lang="en-US"/>
           </a:p>
@@ -1472,7 +1472,7 @@
           <a:p>
             <a:fld id="{21088943-3FBA-4BA1-825A-5E6E8F26C15E}" type="datetimeFigureOut">
               <a:rPr lang="en-US" smtClean="0"/>
-              <a:t>9/2/2023</a:t>
+              <a:t>9/22/2023</a:t>
             </a:fld>
             <a:endParaRPr lang="en-US"/>
           </a:p>
@@ -1737,7 +1737,7 @@
           <a:p>
             <a:fld id="{21088943-3FBA-4BA1-825A-5E6E8F26C15E}" type="datetimeFigureOut">
               <a:rPr lang="en-US" smtClean="0"/>
-              <a:t>9/2/2023</a:t>
+              <a:t>9/22/2023</a:t>
             </a:fld>
             <a:endParaRPr lang="en-US"/>
           </a:p>
@@ -2149,7 +2149,7 @@
           <a:p>
             <a:fld id="{21088943-3FBA-4BA1-825A-5E6E8F26C15E}" type="datetimeFigureOut">
               <a:rPr lang="en-US" smtClean="0"/>
-              <a:t>9/2/2023</a:t>
+              <a:t>9/22/2023</a:t>
             </a:fld>
             <a:endParaRPr lang="en-US"/>
           </a:p>
@@ -2290,7 +2290,7 @@
           <a:p>
             <a:fld id="{21088943-3FBA-4BA1-825A-5E6E8F26C15E}" type="datetimeFigureOut">
               <a:rPr lang="en-US" smtClean="0"/>
-              <a:t>9/2/2023</a:t>
+              <a:t>9/22/2023</a:t>
             </a:fld>
             <a:endParaRPr lang="en-US"/>
           </a:p>
@@ -2403,7 +2403,7 @@
           <a:p>
             <a:fld id="{21088943-3FBA-4BA1-825A-5E6E8F26C15E}" type="datetimeFigureOut">
               <a:rPr lang="en-US" smtClean="0"/>
-              <a:t>9/2/2023</a:t>
+              <a:t>9/22/2023</a:t>
             </a:fld>
             <a:endParaRPr lang="en-US"/>
           </a:p>
@@ -2714,7 +2714,7 @@
           <a:p>
             <a:fld id="{21088943-3FBA-4BA1-825A-5E6E8F26C15E}" type="datetimeFigureOut">
               <a:rPr lang="en-US" smtClean="0"/>
-              <a:t>9/2/2023</a:t>
+              <a:t>9/22/2023</a:t>
             </a:fld>
             <a:endParaRPr lang="en-US"/>
           </a:p>
@@ -3002,7 +3002,7 @@
           <a:p>
             <a:fld id="{21088943-3FBA-4BA1-825A-5E6E8F26C15E}" type="datetimeFigureOut">
               <a:rPr lang="en-US" smtClean="0"/>
-              <a:t>9/2/2023</a:t>
+              <a:t>9/22/2023</a:t>
             </a:fld>
             <a:endParaRPr lang="en-US"/>
           </a:p>
@@ -3243,7 +3243,7 @@
           <a:p>
             <a:fld id="{21088943-3FBA-4BA1-825A-5E6E8F26C15E}" type="datetimeFigureOut">
               <a:rPr lang="en-US" smtClean="0"/>
-              <a:t>9/2/2023</a:t>
+              <a:t>9/22/2023</a:t>
             </a:fld>
             <a:endParaRPr lang="en-US"/>
           </a:p>
@@ -3798,7 +3798,7 @@
         </p:blipFill>
         <p:spPr>
           <a:xfrm>
-            <a:off x="1588416" y="1509702"/>
+            <a:off x="2653331" y="1509702"/>
             <a:ext cx="4792058" cy="5029859"/>
           </a:xfrm>
           <a:prstGeom prst="rect">
@@ -3820,7 +3820,7 @@
         </p:nvCxnSpPr>
         <p:spPr>
           <a:xfrm flipH="1">
-            <a:off x="4396419" y="3307772"/>
+            <a:off x="5461334" y="3307772"/>
             <a:ext cx="292231" cy="450414"/>
           </a:xfrm>
           <a:prstGeom prst="straightConnector1">
@@ -3867,7 +3867,7 @@
         </p:blipFill>
         <p:spPr>
           <a:xfrm>
-            <a:off x="7249869" y="417869"/>
+            <a:off x="7600061" y="417869"/>
             <a:ext cx="3877216" cy="6230219"/>
           </a:xfrm>
           <a:prstGeom prst="rect">
@@ -3910,6 +3910,71 @@
                 </a:highlight>
               </a:rPr>
               <a:t>run</a:t>
+            </a:r>
+          </a:p>
+        </p:txBody>
+      </p:sp>
+      <p:pic>
+        <p:nvPicPr>
+          <p:cNvPr id="7" name="Picture 6">
+            <a:extLst>
+              <a:ext uri="{FF2B5EF4-FFF2-40B4-BE49-F238E27FC236}">
+                <a16:creationId xmlns:a16="http://schemas.microsoft.com/office/drawing/2014/main" id="{CDAC21F9-0A0E-7950-833A-0B93EE1D74ED}"/>
+              </a:ext>
+            </a:extLst>
+          </p:cNvPr>
+          <p:cNvPicPr>
+            <a:picLocks noChangeAspect="1"/>
+          </p:cNvPicPr>
+          <p:nvPr/>
+        </p:nvPicPr>
+        <p:blipFill>
+          <a:blip r:embed="rId5"/>
+          <a:stretch>
+            <a:fillRect/>
+          </a:stretch>
+        </p:blipFill>
+        <p:spPr>
+          <a:xfrm>
+            <a:off x="719021" y="2748687"/>
+            <a:ext cx="1200318" cy="285790"/>
+          </a:xfrm>
+          <a:prstGeom prst="rect">
+            <a:avLst/>
+          </a:prstGeom>
+        </p:spPr>
+      </p:pic>
+      <p:sp>
+        <p:nvSpPr>
+          <p:cNvPr id="12" name="TextBox 11">
+            <a:extLst>
+              <a:ext uri="{FF2B5EF4-FFF2-40B4-BE49-F238E27FC236}">
+                <a16:creationId xmlns:a16="http://schemas.microsoft.com/office/drawing/2014/main" id="{79B00969-EDD5-0F51-E2EA-6A4B1AE754FF}"/>
+              </a:ext>
+            </a:extLst>
+          </p:cNvPr>
+          <p:cNvSpPr txBox="1"/>
+          <p:nvPr/>
+        </p:nvSpPr>
+        <p:spPr>
+          <a:xfrm>
+            <a:off x="404234" y="2148523"/>
+            <a:ext cx="2076132" cy="600164"/>
+          </a:xfrm>
+          <a:prstGeom prst="rect">
+            <a:avLst/>
+          </a:prstGeom>
+          <a:noFill/>
+        </p:spPr>
+        <p:txBody>
+          <a:bodyPr wrap="square">
+            <a:spAutoFit/>
+          </a:bodyPr>
+          <a:lstStyle/>
+          <a:p>
+            <a:r>
+              <a:rPr lang="en-US" sz="1100" dirty="0"/>
+              <a:t>C:\Users\marsz\Documents\GitHub\ScenarioBank\dvlp\v1_create_keys</a:t>
             </a:r>
           </a:p>
         </p:txBody>

--- a/doc/create_keys_system.pptx
+++ b/doc/create_keys_system.pptx
@@ -4235,7 +4235,7 @@
         <p:spPr>
           <a:xfrm>
             <a:off x="8362525" y="2909336"/>
-            <a:ext cx="1136273" cy="369332"/>
+            <a:ext cx="1285929" cy="369332"/>
           </a:xfrm>
           <a:prstGeom prst="rect">
             <a:avLst/>
@@ -4250,8 +4250,13 @@
           <a:p>
             <a:r>
               <a:rPr lang="en-US" dirty="0"/>
-              <a:t>4 save key</a:t>
-            </a:r>
+              <a:t>4 </a:t>
+            </a:r>
+            <a:r>
+              <a:rPr lang="en-US" dirty="0" err="1"/>
+              <a:t>load&amp;edit</a:t>
+            </a:r>
+            <a:endParaRPr lang="en-US" dirty="0"/>
           </a:p>
         </p:txBody>
       </p:sp>
@@ -4277,7 +4282,7 @@
         </p:blipFill>
         <p:spPr>
           <a:xfrm>
-            <a:off x="9124413" y="3579333"/>
+            <a:off x="9174832" y="3963374"/>
             <a:ext cx="1409897" cy="1200318"/>
           </a:xfrm>
           <a:prstGeom prst="rect">
@@ -4314,10 +4319,44 @@
           <a:lstStyle/>
           <a:p>
             <a:r>
-              <a:rPr lang="en-US"/>
-              <a:t>5 reset</a:t>
-            </a:r>
-            <a:endParaRPr lang="en-US" dirty="0"/>
+              <a:rPr lang="en-US" dirty="0"/>
+              <a:t>6 reset</a:t>
+            </a:r>
+          </a:p>
+        </p:txBody>
+      </p:sp>
+      <p:sp>
+        <p:nvSpPr>
+          <p:cNvPr id="2" name="TextBox 1">
+            <a:extLst>
+              <a:ext uri="{FF2B5EF4-FFF2-40B4-BE49-F238E27FC236}">
+                <a16:creationId xmlns:a16="http://schemas.microsoft.com/office/drawing/2014/main" id="{D7A6D3FC-B2F9-010D-F6EB-4CD933631066}"/>
+              </a:ext>
+            </a:extLst>
+          </p:cNvPr>
+          <p:cNvSpPr txBox="1"/>
+          <p:nvPr/>
+        </p:nvSpPr>
+        <p:spPr>
+          <a:xfrm>
+            <a:off x="8362525" y="3305286"/>
+            <a:ext cx="1136273" cy="369332"/>
+          </a:xfrm>
+          <a:prstGeom prst="rect">
+            <a:avLst/>
+          </a:prstGeom>
+          <a:noFill/>
+        </p:spPr>
+        <p:txBody>
+          <a:bodyPr wrap="none" rtlCol="0">
+            <a:spAutoFit/>
+          </a:bodyPr>
+          <a:lstStyle/>
+          <a:p>
+            <a:r>
+              <a:rPr lang="en-US" dirty="0"/>
+              <a:t>5 save key</a:t>
+            </a:r>
           </a:p>
         </p:txBody>
       </p:sp>

--- a/doc/create_keys_system.pptx
+++ b/doc/create_keys_system.pptx
@@ -593,7 +593,7 @@
           <a:p>
             <a:fld id="{21088943-3FBA-4BA1-825A-5E6E8F26C15E}" type="datetimeFigureOut">
               <a:rPr lang="en-US" smtClean="0"/>
-              <a:t>9/22/2023</a:t>
+              <a:t>10/7/2023</a:t>
             </a:fld>
             <a:endParaRPr lang="en-US"/>
           </a:p>
@@ -791,7 +791,7 @@
           <a:p>
             <a:fld id="{21088943-3FBA-4BA1-825A-5E6E8F26C15E}" type="datetimeFigureOut">
               <a:rPr lang="en-US" smtClean="0"/>
-              <a:t>9/22/2023</a:t>
+              <a:t>10/7/2023</a:t>
             </a:fld>
             <a:endParaRPr lang="en-US"/>
           </a:p>
@@ -999,7 +999,7 @@
           <a:p>
             <a:fld id="{21088943-3FBA-4BA1-825A-5E6E8F26C15E}" type="datetimeFigureOut">
               <a:rPr lang="en-US" smtClean="0"/>
-              <a:t>9/22/2023</a:t>
+              <a:t>10/7/2023</a:t>
             </a:fld>
             <a:endParaRPr lang="en-US"/>
           </a:p>
@@ -1197,7 +1197,7 @@
           <a:p>
             <a:fld id="{21088943-3FBA-4BA1-825A-5E6E8F26C15E}" type="datetimeFigureOut">
               <a:rPr lang="en-US" smtClean="0"/>
-              <a:t>9/22/2023</a:t>
+              <a:t>10/7/2023</a:t>
             </a:fld>
             <a:endParaRPr lang="en-US"/>
           </a:p>
@@ -1472,7 +1472,7 @@
           <a:p>
             <a:fld id="{21088943-3FBA-4BA1-825A-5E6E8F26C15E}" type="datetimeFigureOut">
               <a:rPr lang="en-US" smtClean="0"/>
-              <a:t>9/22/2023</a:t>
+              <a:t>10/7/2023</a:t>
             </a:fld>
             <a:endParaRPr lang="en-US"/>
           </a:p>
@@ -1737,7 +1737,7 @@
           <a:p>
             <a:fld id="{21088943-3FBA-4BA1-825A-5E6E8F26C15E}" type="datetimeFigureOut">
               <a:rPr lang="en-US" smtClean="0"/>
-              <a:t>9/22/2023</a:t>
+              <a:t>10/7/2023</a:t>
             </a:fld>
             <a:endParaRPr lang="en-US"/>
           </a:p>
@@ -2149,7 +2149,7 @@
           <a:p>
             <a:fld id="{21088943-3FBA-4BA1-825A-5E6E8F26C15E}" type="datetimeFigureOut">
               <a:rPr lang="en-US" smtClean="0"/>
-              <a:t>9/22/2023</a:t>
+              <a:t>10/7/2023</a:t>
             </a:fld>
             <a:endParaRPr lang="en-US"/>
           </a:p>
@@ -2290,7 +2290,7 @@
           <a:p>
             <a:fld id="{21088943-3FBA-4BA1-825A-5E6E8F26C15E}" type="datetimeFigureOut">
               <a:rPr lang="en-US" smtClean="0"/>
-              <a:t>9/22/2023</a:t>
+              <a:t>10/7/2023</a:t>
             </a:fld>
             <a:endParaRPr lang="en-US"/>
           </a:p>
@@ -2403,7 +2403,7 @@
           <a:p>
             <a:fld id="{21088943-3FBA-4BA1-825A-5E6E8F26C15E}" type="datetimeFigureOut">
               <a:rPr lang="en-US" smtClean="0"/>
-              <a:t>9/22/2023</a:t>
+              <a:t>10/7/2023</a:t>
             </a:fld>
             <a:endParaRPr lang="en-US"/>
           </a:p>
@@ -2714,7 +2714,7 @@
           <a:p>
             <a:fld id="{21088943-3FBA-4BA1-825A-5E6E8F26C15E}" type="datetimeFigureOut">
               <a:rPr lang="en-US" smtClean="0"/>
-              <a:t>9/22/2023</a:t>
+              <a:t>10/7/2023</a:t>
             </a:fld>
             <a:endParaRPr lang="en-US"/>
           </a:p>
@@ -3002,7 +3002,7 @@
           <a:p>
             <a:fld id="{21088943-3FBA-4BA1-825A-5E6E8F26C15E}" type="datetimeFigureOut">
               <a:rPr lang="en-US" smtClean="0"/>
-              <a:t>9/22/2023</a:t>
+              <a:t>10/7/2023</a:t>
             </a:fld>
             <a:endParaRPr lang="en-US"/>
           </a:p>
@@ -3243,7 +3243,7 @@
           <a:p>
             <a:fld id="{21088943-3FBA-4BA1-825A-5E6E8F26C15E}" type="datetimeFigureOut">
               <a:rPr lang="en-US" smtClean="0"/>
-              <a:t>9/22/2023</a:t>
+              <a:t>10/7/2023</a:t>
             </a:fld>
             <a:endParaRPr lang="en-US"/>
           </a:p>
@@ -4360,6 +4360,36 @@
           </a:p>
         </p:txBody>
       </p:sp>
+      <p:pic>
+        <p:nvPicPr>
+          <p:cNvPr id="6" name="Picture 5">
+            <a:extLst>
+              <a:ext uri="{FF2B5EF4-FFF2-40B4-BE49-F238E27FC236}">
+                <a16:creationId xmlns:a16="http://schemas.microsoft.com/office/drawing/2014/main" id="{E672D221-2051-C183-CA5E-7E9F693963F7}"/>
+              </a:ext>
+            </a:extLst>
+          </p:cNvPr>
+          <p:cNvPicPr>
+            <a:picLocks noChangeAspect="1"/>
+          </p:cNvPicPr>
+          <p:nvPr/>
+        </p:nvPicPr>
+        <p:blipFill>
+          <a:blip r:embed="rId6"/>
+          <a:stretch>
+            <a:fillRect/>
+          </a:stretch>
+        </p:blipFill>
+        <p:spPr>
+          <a:xfrm>
+            <a:off x="5616819" y="1136294"/>
+            <a:ext cx="1781424" cy="924054"/>
+          </a:xfrm>
+          <a:prstGeom prst="rect">
+            <a:avLst/>
+          </a:prstGeom>
+        </p:spPr>
+      </p:pic>
     </p:spTree>
     <p:extLst>
       <p:ext uri="{BB962C8B-B14F-4D97-AF65-F5344CB8AC3E}">
